--- a/Diagram/Crude_plan.pptx
+++ b/Diagram/Crude_plan.pptx
@@ -104,6 +104,11 @@
       </a:defRPr>
     </a:lvl9pPr>
   </p:defaultTextStyle>
+  <p:extLst>
+    <p:ext uri="{EFAFB233-063F-42B5-8137-9DF3F51BA10A}">
+      <p15:sldGuideLst xmlns:p15="http://schemas.microsoft.com/office/powerpoint/2012/main"/>
+    </p:ext>
+  </p:extLst>
 </p:presentation>
 </file>
 
@@ -3058,6 +3063,11 @@
             <a:avLst/>
           </a:prstGeom>
           <a:noFill/>
+          <a:ln w="38100">
+            <a:solidFill>
+              <a:srgbClr val="7030A0"/>
+            </a:solidFill>
+          </a:ln>
         </p:spPr>
         <p:txBody>
           <a:bodyPr wrap="square" rtlCol="0">
@@ -3332,42 +3342,6 @@
           </a:p>
         </p:txBody>
       </p:sp>
-      <p:cxnSp>
-        <p:nvCxnSpPr>
-          <p:cNvPr id="23" name="Curved Connector 22"/>
-          <p:cNvCxnSpPr>
-            <a:stCxn id="7" idx="3"/>
-          </p:cNvCxnSpPr>
-          <p:nvPr/>
-        </p:nvCxnSpPr>
-        <p:spPr>
-          <a:xfrm flipV="1">
-            <a:off x="5240866" y="3615267"/>
-            <a:ext cx="440267" cy="812371"/>
-          </a:xfrm>
-          <a:prstGeom prst="curvedConnector2">
-            <a:avLst/>
-          </a:prstGeom>
-          <a:ln>
-            <a:headEnd type="triangle"/>
-            <a:tailEnd type="triangle"/>
-          </a:ln>
-        </p:spPr>
-        <p:style>
-          <a:lnRef idx="1">
-            <a:schemeClr val="accent1"/>
-          </a:lnRef>
-          <a:fillRef idx="0">
-            <a:schemeClr val="accent1"/>
-          </a:fillRef>
-          <a:effectRef idx="0">
-            <a:schemeClr val="accent1"/>
-          </a:effectRef>
-          <a:fontRef idx="minor">
-            <a:schemeClr val="tx1"/>
-          </a:fontRef>
-        </p:style>
-      </p:cxnSp>
       <p:sp>
         <p:nvSpPr>
           <p:cNvPr id="27" name="Rounded Rectangle 26"/>
@@ -3978,6 +3952,305 @@
           </a:fillRef>
           <a:effectRef idx="0">
             <a:schemeClr val="accent1"/>
+          </a:effectRef>
+          <a:fontRef idx="minor">
+            <a:schemeClr val="tx1"/>
+          </a:fontRef>
+        </p:style>
+      </p:cxnSp>
+      <p:cxnSp>
+        <p:nvCxnSpPr>
+          <p:cNvPr id="3" name="Straight Arrow Connector 2"/>
+          <p:cNvCxnSpPr>
+            <a:stCxn id="27" idx="2"/>
+          </p:cNvCxnSpPr>
+          <p:nvPr/>
+        </p:nvCxnSpPr>
+        <p:spPr>
+          <a:xfrm flipH="1">
+            <a:off x="5240866" y="3615267"/>
+            <a:ext cx="440267" cy="635000"/>
+          </a:xfrm>
+          <a:prstGeom prst="straightConnector1">
+            <a:avLst/>
+          </a:prstGeom>
+          <a:ln>
+            <a:tailEnd type="triangle"/>
+          </a:ln>
+        </p:spPr>
+        <p:style>
+          <a:lnRef idx="1">
+            <a:schemeClr val="accent1"/>
+          </a:lnRef>
+          <a:fillRef idx="0">
+            <a:schemeClr val="accent1"/>
+          </a:fillRef>
+          <a:effectRef idx="0">
+            <a:schemeClr val="accent1"/>
+          </a:effectRef>
+          <a:fontRef idx="minor">
+            <a:schemeClr val="tx1"/>
+          </a:fontRef>
+        </p:style>
+      </p:cxnSp>
+      <p:sp>
+        <p:nvSpPr>
+          <p:cNvPr id="5" name="Oval 4"/>
+          <p:cNvSpPr/>
+          <p:nvPr/>
+        </p:nvSpPr>
+        <p:spPr>
+          <a:xfrm>
+            <a:off x="7185025" y="3656230"/>
+            <a:ext cx="2378075" cy="660403"/>
+          </a:xfrm>
+          <a:prstGeom prst="ellipse">
+            <a:avLst/>
+          </a:prstGeom>
+        </p:spPr>
+        <p:style>
+          <a:lnRef idx="0">
+            <a:schemeClr val="accent4"/>
+          </a:lnRef>
+          <a:fillRef idx="3">
+            <a:schemeClr val="accent4"/>
+          </a:fillRef>
+          <a:effectRef idx="3">
+            <a:schemeClr val="accent4"/>
+          </a:effectRef>
+          <a:fontRef idx="minor">
+            <a:schemeClr val="lt1"/>
+          </a:fontRef>
+        </p:style>
+        <p:txBody>
+          <a:bodyPr rtlCol="0" anchor="ctr"/>
+          <a:lstStyle/>
+          <a:p>
+            <a:pPr algn="ctr"/>
+            <a:r>
+              <a:rPr lang="en-US" dirty="0" smtClean="0"/>
+              <a:t>Every Clock tick</a:t>
+            </a:r>
+            <a:endParaRPr lang="th-TH" dirty="0"/>
+          </a:p>
+        </p:txBody>
+      </p:sp>
+      <p:cxnSp>
+        <p:nvCxnSpPr>
+          <p:cNvPr id="11" name="Straight Arrow Connector 10"/>
+          <p:cNvCxnSpPr>
+            <a:stCxn id="5" idx="6"/>
+          </p:cNvCxnSpPr>
+          <p:nvPr/>
+        </p:nvCxnSpPr>
+        <p:spPr>
+          <a:xfrm>
+            <a:off x="9563100" y="3986432"/>
+            <a:ext cx="715433" cy="410845"/>
+          </a:xfrm>
+          <a:prstGeom prst="straightConnector1">
+            <a:avLst/>
+          </a:prstGeom>
+          <a:ln>
+            <a:tailEnd type="triangle"/>
+          </a:ln>
+        </p:spPr>
+        <p:style>
+          <a:lnRef idx="1">
+            <a:schemeClr val="accent6"/>
+          </a:lnRef>
+          <a:fillRef idx="0">
+            <a:schemeClr val="accent6"/>
+          </a:fillRef>
+          <a:effectRef idx="0">
+            <a:schemeClr val="accent6"/>
+          </a:effectRef>
+          <a:fontRef idx="minor">
+            <a:schemeClr val="tx1"/>
+          </a:fontRef>
+        </p:style>
+      </p:cxnSp>
+      <p:sp>
+        <p:nvSpPr>
+          <p:cNvPr id="37" name="Oval 36"/>
+          <p:cNvSpPr/>
+          <p:nvPr/>
+        </p:nvSpPr>
+        <p:spPr>
+          <a:xfrm>
+            <a:off x="830791" y="6009187"/>
+            <a:ext cx="2378075" cy="660403"/>
+          </a:xfrm>
+          <a:prstGeom prst="ellipse">
+            <a:avLst/>
+          </a:prstGeom>
+        </p:spPr>
+        <p:style>
+          <a:lnRef idx="0">
+            <a:schemeClr val="accent4"/>
+          </a:lnRef>
+          <a:fillRef idx="3">
+            <a:schemeClr val="accent4"/>
+          </a:fillRef>
+          <a:effectRef idx="3">
+            <a:schemeClr val="accent4"/>
+          </a:effectRef>
+          <a:fontRef idx="minor">
+            <a:schemeClr val="lt1"/>
+          </a:fontRef>
+        </p:style>
+        <p:txBody>
+          <a:bodyPr rtlCol="0" anchor="ctr"/>
+          <a:lstStyle/>
+          <a:p>
+            <a:pPr algn="ctr"/>
+            <a:r>
+              <a:rPr lang="en-US" dirty="0" smtClean="0"/>
+              <a:t>Every Clock tick</a:t>
+            </a:r>
+            <a:endParaRPr lang="th-TH" dirty="0"/>
+          </a:p>
+        </p:txBody>
+      </p:sp>
+      <p:sp>
+        <p:nvSpPr>
+          <p:cNvPr id="38" name="Oval 37"/>
+          <p:cNvSpPr/>
+          <p:nvPr/>
+        </p:nvSpPr>
+        <p:spPr>
+          <a:xfrm>
+            <a:off x="3208866" y="6009187"/>
+            <a:ext cx="2669115" cy="660403"/>
+          </a:xfrm>
+          <a:prstGeom prst="ellipse">
+            <a:avLst/>
+          </a:prstGeom>
+        </p:spPr>
+        <p:style>
+          <a:lnRef idx="0">
+            <a:schemeClr val="accent4"/>
+          </a:lnRef>
+          <a:fillRef idx="3">
+            <a:schemeClr val="accent4"/>
+          </a:fillRef>
+          <a:effectRef idx="3">
+            <a:schemeClr val="accent4"/>
+          </a:effectRef>
+          <a:fontRef idx="minor">
+            <a:schemeClr val="lt1"/>
+          </a:fontRef>
+        </p:style>
+        <p:txBody>
+          <a:bodyPr rtlCol="0" anchor="ctr"/>
+          <a:lstStyle/>
+          <a:p>
+            <a:pPr algn="ctr"/>
+            <a:r>
+              <a:rPr lang="en-US" dirty="0" smtClean="0"/>
+              <a:t>On signal</a:t>
+            </a:r>
+            <a:endParaRPr lang="th-TH" dirty="0"/>
+          </a:p>
+        </p:txBody>
+      </p:sp>
+      <p:cxnSp>
+        <p:nvCxnSpPr>
+          <p:cNvPr id="15" name="Straight Arrow Connector 14"/>
+          <p:cNvCxnSpPr/>
+          <p:nvPr/>
+        </p:nvCxnSpPr>
+        <p:spPr>
+          <a:xfrm flipV="1">
+            <a:off x="2548467" y="5467752"/>
+            <a:ext cx="262466" cy="541435"/>
+          </a:xfrm>
+          <a:prstGeom prst="straightConnector1">
+            <a:avLst/>
+          </a:prstGeom>
+          <a:ln>
+            <a:tailEnd type="triangle"/>
+          </a:ln>
+        </p:spPr>
+        <p:style>
+          <a:lnRef idx="1">
+            <a:schemeClr val="accent6"/>
+          </a:lnRef>
+          <a:fillRef idx="0">
+            <a:schemeClr val="accent6"/>
+          </a:fillRef>
+          <a:effectRef idx="0">
+            <a:schemeClr val="accent6"/>
+          </a:effectRef>
+          <a:fontRef idx="minor">
+            <a:schemeClr val="tx1"/>
+          </a:fontRef>
+        </p:style>
+      </p:cxnSp>
+      <p:cxnSp>
+        <p:nvCxnSpPr>
+          <p:cNvPr id="21" name="Straight Arrow Connector 20"/>
+          <p:cNvCxnSpPr>
+            <a:stCxn id="38" idx="0"/>
+          </p:cNvCxnSpPr>
+          <p:nvPr/>
+        </p:nvCxnSpPr>
+        <p:spPr>
+          <a:xfrm flipH="1" flipV="1">
+            <a:off x="3810000" y="5467752"/>
+            <a:ext cx="733424" cy="541435"/>
+          </a:xfrm>
+          <a:prstGeom prst="straightConnector1">
+            <a:avLst/>
+          </a:prstGeom>
+          <a:ln>
+            <a:tailEnd type="triangle"/>
+          </a:ln>
+        </p:spPr>
+        <p:style>
+          <a:lnRef idx="1">
+            <a:schemeClr val="accent6"/>
+          </a:lnRef>
+          <a:fillRef idx="0">
+            <a:schemeClr val="accent6"/>
+          </a:fillRef>
+          <a:effectRef idx="0">
+            <a:schemeClr val="accent6"/>
+          </a:effectRef>
+          <a:fontRef idx="minor">
+            <a:schemeClr val="tx1"/>
+          </a:fontRef>
+        </p:style>
+      </p:cxnSp>
+      <p:cxnSp>
+        <p:nvCxnSpPr>
+          <p:cNvPr id="26" name="Straight Arrow Connector 25"/>
+          <p:cNvCxnSpPr>
+            <a:stCxn id="5" idx="0"/>
+          </p:cNvCxnSpPr>
+          <p:nvPr/>
+        </p:nvCxnSpPr>
+        <p:spPr>
+          <a:xfrm flipH="1" flipV="1">
+            <a:off x="6991349" y="3315342"/>
+            <a:ext cx="1382714" cy="340888"/>
+          </a:xfrm>
+          <a:prstGeom prst="straightConnector1">
+            <a:avLst/>
+          </a:prstGeom>
+          <a:ln>
+            <a:tailEnd type="triangle"/>
+          </a:ln>
+        </p:spPr>
+        <p:style>
+          <a:lnRef idx="1">
+            <a:schemeClr val="accent6"/>
+          </a:lnRef>
+          <a:fillRef idx="0">
+            <a:schemeClr val="accent6"/>
+          </a:fillRef>
+          <a:effectRef idx="0">
+            <a:schemeClr val="accent6"/>
           </a:effectRef>
           <a:fontRef idx="minor">
             <a:schemeClr val="tx1"/>
